--- a/PlatformDeveloperGuide/images/process-multiapp-overview.pptx
+++ b/PlatformDeveloperGuide/images/process-multiapp-overview.pptx
@@ -145,7 +145,7 @@
           <p:cNvPr id="2" name="Title 1">
             <a:extLst>
               <a:ext uri="{FF2B5EF4-FFF2-40B4-BE49-F238E27FC236}">
-                <a16:creationId xmlns:a16="http://schemas.microsoft.com/office/drawing/2014/main" id="{B9F6C1D0-30E1-41DD-9330-BF9393AE61F6}"/>
+                <a16:creationId xmlns:a16="http://schemas.microsoft.com/office/drawing/2014/main" xmlns="" id="{B9F6C1D0-30E1-41DD-9330-BF9393AE61F6}"/>
               </a:ext>
             </a:extLst>
           </p:cNvPr>
@@ -183,7 +183,7 @@
           <p:cNvPr id="3" name="Subtitle 2">
             <a:extLst>
               <a:ext uri="{FF2B5EF4-FFF2-40B4-BE49-F238E27FC236}">
-                <a16:creationId xmlns:a16="http://schemas.microsoft.com/office/drawing/2014/main" id="{6B99C49E-F4CF-49AC-BA3C-D454FDC3E835}"/>
+                <a16:creationId xmlns:a16="http://schemas.microsoft.com/office/drawing/2014/main" xmlns="" id="{6B99C49E-F4CF-49AC-BA3C-D454FDC3E835}"/>
               </a:ext>
             </a:extLst>
           </p:cNvPr>
@@ -254,7 +254,7 @@
           <p:cNvPr id="4" name="Date Placeholder 3">
             <a:extLst>
               <a:ext uri="{FF2B5EF4-FFF2-40B4-BE49-F238E27FC236}">
-                <a16:creationId xmlns:a16="http://schemas.microsoft.com/office/drawing/2014/main" id="{D25579A5-FA7A-4785-A682-581C74CD8DCA}"/>
+                <a16:creationId xmlns:a16="http://schemas.microsoft.com/office/drawing/2014/main" xmlns="" id="{D25579A5-FA7A-4785-A682-581C74CD8DCA}"/>
               </a:ext>
             </a:extLst>
           </p:cNvPr>
@@ -272,7 +272,7 @@
           <a:p>
             <a:fld id="{8382ADF2-3FF2-4FB4-8A07-AE359359CF4F}" type="datetimeFigureOut">
               <a:rPr lang="en-GB" smtClean="0"/>
-              <a:t>01/04/2020</a:t>
+              <a:t>22/09/2021</a:t>
             </a:fld>
             <a:endParaRPr lang="en-GB"/>
           </a:p>
@@ -283,7 +283,7 @@
           <p:cNvPr id="5" name="Footer Placeholder 4">
             <a:extLst>
               <a:ext uri="{FF2B5EF4-FFF2-40B4-BE49-F238E27FC236}">
-                <a16:creationId xmlns:a16="http://schemas.microsoft.com/office/drawing/2014/main" id="{F918C896-BE1E-4003-B556-4AA98A5A06F6}"/>
+                <a16:creationId xmlns:a16="http://schemas.microsoft.com/office/drawing/2014/main" xmlns="" id="{F918C896-BE1E-4003-B556-4AA98A5A06F6}"/>
               </a:ext>
             </a:extLst>
           </p:cNvPr>
@@ -308,7 +308,7 @@
           <p:cNvPr id="6" name="Slide Number Placeholder 5">
             <a:extLst>
               <a:ext uri="{FF2B5EF4-FFF2-40B4-BE49-F238E27FC236}">
-                <a16:creationId xmlns:a16="http://schemas.microsoft.com/office/drawing/2014/main" id="{A36AD58A-A7F7-4C3D-ADAC-09651F6AE8A9}"/>
+                <a16:creationId xmlns:a16="http://schemas.microsoft.com/office/drawing/2014/main" xmlns="" id="{A36AD58A-A7F7-4C3D-ADAC-09651F6AE8A9}"/>
               </a:ext>
             </a:extLst>
           </p:cNvPr>
@@ -367,7 +367,7 @@
           <p:cNvPr id="2" name="Title 1">
             <a:extLst>
               <a:ext uri="{FF2B5EF4-FFF2-40B4-BE49-F238E27FC236}">
-                <a16:creationId xmlns:a16="http://schemas.microsoft.com/office/drawing/2014/main" id="{419C7C84-ECC1-41F1-866C-4DD1678D4A4D}"/>
+                <a16:creationId xmlns:a16="http://schemas.microsoft.com/office/drawing/2014/main" xmlns="" id="{419C7C84-ECC1-41F1-866C-4DD1678D4A4D}"/>
               </a:ext>
             </a:extLst>
           </p:cNvPr>
@@ -396,7 +396,7 @@
           <p:cNvPr id="3" name="Vertical Text Placeholder 2">
             <a:extLst>
               <a:ext uri="{FF2B5EF4-FFF2-40B4-BE49-F238E27FC236}">
-                <a16:creationId xmlns:a16="http://schemas.microsoft.com/office/drawing/2014/main" id="{9860358B-51E9-4C1B-A54C-3B37534416BE}"/>
+                <a16:creationId xmlns:a16="http://schemas.microsoft.com/office/drawing/2014/main" xmlns="" id="{9860358B-51E9-4C1B-A54C-3B37534416BE}"/>
               </a:ext>
             </a:extLst>
           </p:cNvPr>
@@ -454,7 +454,7 @@
           <p:cNvPr id="4" name="Date Placeholder 3">
             <a:extLst>
               <a:ext uri="{FF2B5EF4-FFF2-40B4-BE49-F238E27FC236}">
-                <a16:creationId xmlns:a16="http://schemas.microsoft.com/office/drawing/2014/main" id="{4CBD5578-49DE-4E74-8ADD-D89D310447D8}"/>
+                <a16:creationId xmlns:a16="http://schemas.microsoft.com/office/drawing/2014/main" xmlns="" id="{4CBD5578-49DE-4E74-8ADD-D89D310447D8}"/>
               </a:ext>
             </a:extLst>
           </p:cNvPr>
@@ -472,7 +472,7 @@
           <a:p>
             <a:fld id="{8382ADF2-3FF2-4FB4-8A07-AE359359CF4F}" type="datetimeFigureOut">
               <a:rPr lang="en-GB" smtClean="0"/>
-              <a:t>01/04/2020</a:t>
+              <a:t>22/09/2021</a:t>
             </a:fld>
             <a:endParaRPr lang="en-GB"/>
           </a:p>
@@ -483,7 +483,7 @@
           <p:cNvPr id="5" name="Footer Placeholder 4">
             <a:extLst>
               <a:ext uri="{FF2B5EF4-FFF2-40B4-BE49-F238E27FC236}">
-                <a16:creationId xmlns:a16="http://schemas.microsoft.com/office/drawing/2014/main" id="{38378062-3C8C-4FB7-A402-EAB2CF7343DF}"/>
+                <a16:creationId xmlns:a16="http://schemas.microsoft.com/office/drawing/2014/main" xmlns="" id="{38378062-3C8C-4FB7-A402-EAB2CF7343DF}"/>
               </a:ext>
             </a:extLst>
           </p:cNvPr>
@@ -508,7 +508,7 @@
           <p:cNvPr id="6" name="Slide Number Placeholder 5">
             <a:extLst>
               <a:ext uri="{FF2B5EF4-FFF2-40B4-BE49-F238E27FC236}">
-                <a16:creationId xmlns:a16="http://schemas.microsoft.com/office/drawing/2014/main" id="{043B2ED6-D54B-447F-AB24-757CB44CA3D7}"/>
+                <a16:creationId xmlns:a16="http://schemas.microsoft.com/office/drawing/2014/main" xmlns="" id="{043B2ED6-D54B-447F-AB24-757CB44CA3D7}"/>
               </a:ext>
             </a:extLst>
           </p:cNvPr>
@@ -567,7 +567,7 @@
           <p:cNvPr id="2" name="Vertical Title 1">
             <a:extLst>
               <a:ext uri="{FF2B5EF4-FFF2-40B4-BE49-F238E27FC236}">
-                <a16:creationId xmlns:a16="http://schemas.microsoft.com/office/drawing/2014/main" id="{0CC94D72-F86C-49AC-938B-60B8F4CFEAC0}"/>
+                <a16:creationId xmlns:a16="http://schemas.microsoft.com/office/drawing/2014/main" xmlns="" id="{0CC94D72-F86C-49AC-938B-60B8F4CFEAC0}"/>
               </a:ext>
             </a:extLst>
           </p:cNvPr>
@@ -601,7 +601,7 @@
           <p:cNvPr id="3" name="Vertical Text Placeholder 2">
             <a:extLst>
               <a:ext uri="{FF2B5EF4-FFF2-40B4-BE49-F238E27FC236}">
-                <a16:creationId xmlns:a16="http://schemas.microsoft.com/office/drawing/2014/main" id="{5ACDD611-CC8E-4C80-AA8F-49FF0BC930B1}"/>
+                <a16:creationId xmlns:a16="http://schemas.microsoft.com/office/drawing/2014/main" xmlns="" id="{5ACDD611-CC8E-4C80-AA8F-49FF0BC930B1}"/>
               </a:ext>
             </a:extLst>
           </p:cNvPr>
@@ -664,7 +664,7 @@
           <p:cNvPr id="4" name="Date Placeholder 3">
             <a:extLst>
               <a:ext uri="{FF2B5EF4-FFF2-40B4-BE49-F238E27FC236}">
-                <a16:creationId xmlns:a16="http://schemas.microsoft.com/office/drawing/2014/main" id="{39529F4A-C383-475A-A32F-837361882CE3}"/>
+                <a16:creationId xmlns:a16="http://schemas.microsoft.com/office/drawing/2014/main" xmlns="" id="{39529F4A-C383-475A-A32F-837361882CE3}"/>
               </a:ext>
             </a:extLst>
           </p:cNvPr>
@@ -682,7 +682,7 @@
           <a:p>
             <a:fld id="{8382ADF2-3FF2-4FB4-8A07-AE359359CF4F}" type="datetimeFigureOut">
               <a:rPr lang="en-GB" smtClean="0"/>
-              <a:t>01/04/2020</a:t>
+              <a:t>22/09/2021</a:t>
             </a:fld>
             <a:endParaRPr lang="en-GB"/>
           </a:p>
@@ -693,7 +693,7 @@
           <p:cNvPr id="5" name="Footer Placeholder 4">
             <a:extLst>
               <a:ext uri="{FF2B5EF4-FFF2-40B4-BE49-F238E27FC236}">
-                <a16:creationId xmlns:a16="http://schemas.microsoft.com/office/drawing/2014/main" id="{97AC1F34-A068-48A2-A923-5EE6F41480CA}"/>
+                <a16:creationId xmlns:a16="http://schemas.microsoft.com/office/drawing/2014/main" xmlns="" id="{97AC1F34-A068-48A2-A923-5EE6F41480CA}"/>
               </a:ext>
             </a:extLst>
           </p:cNvPr>
@@ -718,7 +718,7 @@
           <p:cNvPr id="6" name="Slide Number Placeholder 5">
             <a:extLst>
               <a:ext uri="{FF2B5EF4-FFF2-40B4-BE49-F238E27FC236}">
-                <a16:creationId xmlns:a16="http://schemas.microsoft.com/office/drawing/2014/main" id="{1DC88880-ADC6-4739-8183-CA07B62DB306}"/>
+                <a16:creationId xmlns:a16="http://schemas.microsoft.com/office/drawing/2014/main" xmlns="" id="{1DC88880-ADC6-4739-8183-CA07B62DB306}"/>
               </a:ext>
             </a:extLst>
           </p:cNvPr>
@@ -777,7 +777,7 @@
           <p:cNvPr id="2" name="Title 1">
             <a:extLst>
               <a:ext uri="{FF2B5EF4-FFF2-40B4-BE49-F238E27FC236}">
-                <a16:creationId xmlns:a16="http://schemas.microsoft.com/office/drawing/2014/main" id="{87236B44-7C92-4ABF-B626-811B3755FB03}"/>
+                <a16:creationId xmlns:a16="http://schemas.microsoft.com/office/drawing/2014/main" xmlns="" id="{87236B44-7C92-4ABF-B626-811B3755FB03}"/>
               </a:ext>
             </a:extLst>
           </p:cNvPr>
@@ -806,7 +806,7 @@
           <p:cNvPr id="3" name="Content Placeholder 2">
             <a:extLst>
               <a:ext uri="{FF2B5EF4-FFF2-40B4-BE49-F238E27FC236}">
-                <a16:creationId xmlns:a16="http://schemas.microsoft.com/office/drawing/2014/main" id="{F93A0599-7FA5-4A79-8DE9-3A6685CBFD7E}"/>
+                <a16:creationId xmlns:a16="http://schemas.microsoft.com/office/drawing/2014/main" xmlns="" id="{F93A0599-7FA5-4A79-8DE9-3A6685CBFD7E}"/>
               </a:ext>
             </a:extLst>
           </p:cNvPr>
@@ -864,7 +864,7 @@
           <p:cNvPr id="4" name="Date Placeholder 3">
             <a:extLst>
               <a:ext uri="{FF2B5EF4-FFF2-40B4-BE49-F238E27FC236}">
-                <a16:creationId xmlns:a16="http://schemas.microsoft.com/office/drawing/2014/main" id="{2C5CACD0-E99C-4188-8088-523952A66910}"/>
+                <a16:creationId xmlns:a16="http://schemas.microsoft.com/office/drawing/2014/main" xmlns="" id="{2C5CACD0-E99C-4188-8088-523952A66910}"/>
               </a:ext>
             </a:extLst>
           </p:cNvPr>
@@ -882,7 +882,7 @@
           <a:p>
             <a:fld id="{8382ADF2-3FF2-4FB4-8A07-AE359359CF4F}" type="datetimeFigureOut">
               <a:rPr lang="en-GB" smtClean="0"/>
-              <a:t>01/04/2020</a:t>
+              <a:t>22/09/2021</a:t>
             </a:fld>
             <a:endParaRPr lang="en-GB"/>
           </a:p>
@@ -893,7 +893,7 @@
           <p:cNvPr id="5" name="Footer Placeholder 4">
             <a:extLst>
               <a:ext uri="{FF2B5EF4-FFF2-40B4-BE49-F238E27FC236}">
-                <a16:creationId xmlns:a16="http://schemas.microsoft.com/office/drawing/2014/main" id="{F337783F-24FC-43E2-93CB-F7F7D474A51E}"/>
+                <a16:creationId xmlns:a16="http://schemas.microsoft.com/office/drawing/2014/main" xmlns="" id="{F337783F-24FC-43E2-93CB-F7F7D474A51E}"/>
               </a:ext>
             </a:extLst>
           </p:cNvPr>
@@ -918,7 +918,7 @@
           <p:cNvPr id="6" name="Slide Number Placeholder 5">
             <a:extLst>
               <a:ext uri="{FF2B5EF4-FFF2-40B4-BE49-F238E27FC236}">
-                <a16:creationId xmlns:a16="http://schemas.microsoft.com/office/drawing/2014/main" id="{36A60658-D1FC-440A-ADF6-42796173FCE7}"/>
+                <a16:creationId xmlns:a16="http://schemas.microsoft.com/office/drawing/2014/main" xmlns="" id="{36A60658-D1FC-440A-ADF6-42796173FCE7}"/>
               </a:ext>
             </a:extLst>
           </p:cNvPr>
@@ -977,7 +977,7 @@
           <p:cNvPr id="2" name="Title 1">
             <a:extLst>
               <a:ext uri="{FF2B5EF4-FFF2-40B4-BE49-F238E27FC236}">
-                <a16:creationId xmlns:a16="http://schemas.microsoft.com/office/drawing/2014/main" id="{4AAECBB2-F14C-4516-BF8B-39053C1F75A6}"/>
+                <a16:creationId xmlns:a16="http://schemas.microsoft.com/office/drawing/2014/main" xmlns="" id="{4AAECBB2-F14C-4516-BF8B-39053C1F75A6}"/>
               </a:ext>
             </a:extLst>
           </p:cNvPr>
@@ -1015,7 +1015,7 @@
           <p:cNvPr id="3" name="Text Placeholder 2">
             <a:extLst>
               <a:ext uri="{FF2B5EF4-FFF2-40B4-BE49-F238E27FC236}">
-                <a16:creationId xmlns:a16="http://schemas.microsoft.com/office/drawing/2014/main" id="{01E233E8-348D-4C11-842C-45A127327C9E}"/>
+                <a16:creationId xmlns:a16="http://schemas.microsoft.com/office/drawing/2014/main" xmlns="" id="{01E233E8-348D-4C11-842C-45A127327C9E}"/>
               </a:ext>
             </a:extLst>
           </p:cNvPr>
@@ -1140,7 +1140,7 @@
           <p:cNvPr id="4" name="Date Placeholder 3">
             <a:extLst>
               <a:ext uri="{FF2B5EF4-FFF2-40B4-BE49-F238E27FC236}">
-                <a16:creationId xmlns:a16="http://schemas.microsoft.com/office/drawing/2014/main" id="{3DCA4A54-B316-412D-8A00-E9836E3D27FF}"/>
+                <a16:creationId xmlns:a16="http://schemas.microsoft.com/office/drawing/2014/main" xmlns="" id="{3DCA4A54-B316-412D-8A00-E9836E3D27FF}"/>
               </a:ext>
             </a:extLst>
           </p:cNvPr>
@@ -1158,7 +1158,7 @@
           <a:p>
             <a:fld id="{8382ADF2-3FF2-4FB4-8A07-AE359359CF4F}" type="datetimeFigureOut">
               <a:rPr lang="en-GB" smtClean="0"/>
-              <a:t>01/04/2020</a:t>
+              <a:t>22/09/2021</a:t>
             </a:fld>
             <a:endParaRPr lang="en-GB"/>
           </a:p>
@@ -1169,7 +1169,7 @@
           <p:cNvPr id="5" name="Footer Placeholder 4">
             <a:extLst>
               <a:ext uri="{FF2B5EF4-FFF2-40B4-BE49-F238E27FC236}">
-                <a16:creationId xmlns:a16="http://schemas.microsoft.com/office/drawing/2014/main" id="{0D9FF024-64D2-4017-BEDA-27506BC86419}"/>
+                <a16:creationId xmlns:a16="http://schemas.microsoft.com/office/drawing/2014/main" xmlns="" id="{0D9FF024-64D2-4017-BEDA-27506BC86419}"/>
               </a:ext>
             </a:extLst>
           </p:cNvPr>
@@ -1194,7 +1194,7 @@
           <p:cNvPr id="6" name="Slide Number Placeholder 5">
             <a:extLst>
               <a:ext uri="{FF2B5EF4-FFF2-40B4-BE49-F238E27FC236}">
-                <a16:creationId xmlns:a16="http://schemas.microsoft.com/office/drawing/2014/main" id="{6FA0AAF2-5D8A-4817-8D78-70AF08B12DEF}"/>
+                <a16:creationId xmlns:a16="http://schemas.microsoft.com/office/drawing/2014/main" xmlns="" id="{6FA0AAF2-5D8A-4817-8D78-70AF08B12DEF}"/>
               </a:ext>
             </a:extLst>
           </p:cNvPr>
@@ -1253,7 +1253,7 @@
           <p:cNvPr id="2" name="Title 1">
             <a:extLst>
               <a:ext uri="{FF2B5EF4-FFF2-40B4-BE49-F238E27FC236}">
-                <a16:creationId xmlns:a16="http://schemas.microsoft.com/office/drawing/2014/main" id="{32377089-2ED5-4212-A871-CB3A917DAEBA}"/>
+                <a16:creationId xmlns:a16="http://schemas.microsoft.com/office/drawing/2014/main" xmlns="" id="{32377089-2ED5-4212-A871-CB3A917DAEBA}"/>
               </a:ext>
             </a:extLst>
           </p:cNvPr>
@@ -1282,7 +1282,7 @@
           <p:cNvPr id="3" name="Content Placeholder 2">
             <a:extLst>
               <a:ext uri="{FF2B5EF4-FFF2-40B4-BE49-F238E27FC236}">
-                <a16:creationId xmlns:a16="http://schemas.microsoft.com/office/drawing/2014/main" id="{05049E74-D410-4B85-A5C7-AD26A667449D}"/>
+                <a16:creationId xmlns:a16="http://schemas.microsoft.com/office/drawing/2014/main" xmlns="" id="{05049E74-D410-4B85-A5C7-AD26A667449D}"/>
               </a:ext>
             </a:extLst>
           </p:cNvPr>
@@ -1345,7 +1345,7 @@
           <p:cNvPr id="4" name="Content Placeholder 3">
             <a:extLst>
               <a:ext uri="{FF2B5EF4-FFF2-40B4-BE49-F238E27FC236}">
-                <a16:creationId xmlns:a16="http://schemas.microsoft.com/office/drawing/2014/main" id="{667FE3BD-89E1-4AB5-96C2-7AE3F136B8B4}"/>
+                <a16:creationId xmlns:a16="http://schemas.microsoft.com/office/drawing/2014/main" xmlns="" id="{667FE3BD-89E1-4AB5-96C2-7AE3F136B8B4}"/>
               </a:ext>
             </a:extLst>
           </p:cNvPr>
@@ -1408,7 +1408,7 @@
           <p:cNvPr id="5" name="Date Placeholder 4">
             <a:extLst>
               <a:ext uri="{FF2B5EF4-FFF2-40B4-BE49-F238E27FC236}">
-                <a16:creationId xmlns:a16="http://schemas.microsoft.com/office/drawing/2014/main" id="{65A43DB8-37A8-4BAD-8A05-53106675DE55}"/>
+                <a16:creationId xmlns:a16="http://schemas.microsoft.com/office/drawing/2014/main" xmlns="" id="{65A43DB8-37A8-4BAD-8A05-53106675DE55}"/>
               </a:ext>
             </a:extLst>
           </p:cNvPr>
@@ -1426,7 +1426,7 @@
           <a:p>
             <a:fld id="{8382ADF2-3FF2-4FB4-8A07-AE359359CF4F}" type="datetimeFigureOut">
               <a:rPr lang="en-GB" smtClean="0"/>
-              <a:t>01/04/2020</a:t>
+              <a:t>22/09/2021</a:t>
             </a:fld>
             <a:endParaRPr lang="en-GB"/>
           </a:p>
@@ -1437,7 +1437,7 @@
           <p:cNvPr id="6" name="Footer Placeholder 5">
             <a:extLst>
               <a:ext uri="{FF2B5EF4-FFF2-40B4-BE49-F238E27FC236}">
-                <a16:creationId xmlns:a16="http://schemas.microsoft.com/office/drawing/2014/main" id="{BE11EE63-AF04-493B-98D3-2A4DB5A681C5}"/>
+                <a16:creationId xmlns:a16="http://schemas.microsoft.com/office/drawing/2014/main" xmlns="" id="{BE11EE63-AF04-493B-98D3-2A4DB5A681C5}"/>
               </a:ext>
             </a:extLst>
           </p:cNvPr>
@@ -1462,7 +1462,7 @@
           <p:cNvPr id="7" name="Slide Number Placeholder 6">
             <a:extLst>
               <a:ext uri="{FF2B5EF4-FFF2-40B4-BE49-F238E27FC236}">
-                <a16:creationId xmlns:a16="http://schemas.microsoft.com/office/drawing/2014/main" id="{88C56B96-1FF1-4997-BA97-24C94C5D0F9A}"/>
+                <a16:creationId xmlns:a16="http://schemas.microsoft.com/office/drawing/2014/main" xmlns="" id="{88C56B96-1FF1-4997-BA97-24C94C5D0F9A}"/>
               </a:ext>
             </a:extLst>
           </p:cNvPr>
@@ -1521,7 +1521,7 @@
           <p:cNvPr id="2" name="Title 1">
             <a:extLst>
               <a:ext uri="{FF2B5EF4-FFF2-40B4-BE49-F238E27FC236}">
-                <a16:creationId xmlns:a16="http://schemas.microsoft.com/office/drawing/2014/main" id="{904787A0-7DE1-4A9A-9226-FD8C649EDD2B}"/>
+                <a16:creationId xmlns:a16="http://schemas.microsoft.com/office/drawing/2014/main" xmlns="" id="{904787A0-7DE1-4A9A-9226-FD8C649EDD2B}"/>
               </a:ext>
             </a:extLst>
           </p:cNvPr>
@@ -1555,7 +1555,7 @@
           <p:cNvPr id="3" name="Text Placeholder 2">
             <a:extLst>
               <a:ext uri="{FF2B5EF4-FFF2-40B4-BE49-F238E27FC236}">
-                <a16:creationId xmlns:a16="http://schemas.microsoft.com/office/drawing/2014/main" id="{A55D906E-F94D-47AF-B30D-28F9491548EE}"/>
+                <a16:creationId xmlns:a16="http://schemas.microsoft.com/office/drawing/2014/main" xmlns="" id="{A55D906E-F94D-47AF-B30D-28F9491548EE}"/>
               </a:ext>
             </a:extLst>
           </p:cNvPr>
@@ -1626,7 +1626,7 @@
           <p:cNvPr id="4" name="Content Placeholder 3">
             <a:extLst>
               <a:ext uri="{FF2B5EF4-FFF2-40B4-BE49-F238E27FC236}">
-                <a16:creationId xmlns:a16="http://schemas.microsoft.com/office/drawing/2014/main" id="{755EC3F6-7C7B-4072-BEBB-97C43F8D6552}"/>
+                <a16:creationId xmlns:a16="http://schemas.microsoft.com/office/drawing/2014/main" xmlns="" id="{755EC3F6-7C7B-4072-BEBB-97C43F8D6552}"/>
               </a:ext>
             </a:extLst>
           </p:cNvPr>
@@ -1689,7 +1689,7 @@
           <p:cNvPr id="5" name="Text Placeholder 4">
             <a:extLst>
               <a:ext uri="{FF2B5EF4-FFF2-40B4-BE49-F238E27FC236}">
-                <a16:creationId xmlns:a16="http://schemas.microsoft.com/office/drawing/2014/main" id="{CFB01BC6-5633-48CC-A620-388067C2F76F}"/>
+                <a16:creationId xmlns:a16="http://schemas.microsoft.com/office/drawing/2014/main" xmlns="" id="{CFB01BC6-5633-48CC-A620-388067C2F76F}"/>
               </a:ext>
             </a:extLst>
           </p:cNvPr>
@@ -1760,7 +1760,7 @@
           <p:cNvPr id="6" name="Content Placeholder 5">
             <a:extLst>
               <a:ext uri="{FF2B5EF4-FFF2-40B4-BE49-F238E27FC236}">
-                <a16:creationId xmlns:a16="http://schemas.microsoft.com/office/drawing/2014/main" id="{56F31893-E70B-4840-8954-8AC0AC846C70}"/>
+                <a16:creationId xmlns:a16="http://schemas.microsoft.com/office/drawing/2014/main" xmlns="" id="{56F31893-E70B-4840-8954-8AC0AC846C70}"/>
               </a:ext>
             </a:extLst>
           </p:cNvPr>
@@ -1823,7 +1823,7 @@
           <p:cNvPr id="7" name="Date Placeholder 6">
             <a:extLst>
               <a:ext uri="{FF2B5EF4-FFF2-40B4-BE49-F238E27FC236}">
-                <a16:creationId xmlns:a16="http://schemas.microsoft.com/office/drawing/2014/main" id="{6A9B3074-8E72-40FF-98C9-843EDE10D14E}"/>
+                <a16:creationId xmlns:a16="http://schemas.microsoft.com/office/drawing/2014/main" xmlns="" id="{6A9B3074-8E72-40FF-98C9-843EDE10D14E}"/>
               </a:ext>
             </a:extLst>
           </p:cNvPr>
@@ -1841,7 +1841,7 @@
           <a:p>
             <a:fld id="{8382ADF2-3FF2-4FB4-8A07-AE359359CF4F}" type="datetimeFigureOut">
               <a:rPr lang="en-GB" smtClean="0"/>
-              <a:t>01/04/2020</a:t>
+              <a:t>22/09/2021</a:t>
             </a:fld>
             <a:endParaRPr lang="en-GB"/>
           </a:p>
@@ -1852,7 +1852,7 @@
           <p:cNvPr id="8" name="Footer Placeholder 7">
             <a:extLst>
               <a:ext uri="{FF2B5EF4-FFF2-40B4-BE49-F238E27FC236}">
-                <a16:creationId xmlns:a16="http://schemas.microsoft.com/office/drawing/2014/main" id="{C20D1E46-7068-4B4A-8996-88EF8AA85556}"/>
+                <a16:creationId xmlns:a16="http://schemas.microsoft.com/office/drawing/2014/main" xmlns="" id="{C20D1E46-7068-4B4A-8996-88EF8AA85556}"/>
               </a:ext>
             </a:extLst>
           </p:cNvPr>
@@ -1877,7 +1877,7 @@
           <p:cNvPr id="9" name="Slide Number Placeholder 8">
             <a:extLst>
               <a:ext uri="{FF2B5EF4-FFF2-40B4-BE49-F238E27FC236}">
-                <a16:creationId xmlns:a16="http://schemas.microsoft.com/office/drawing/2014/main" id="{E15C6270-00F4-4F78-BBC8-97E189461534}"/>
+                <a16:creationId xmlns:a16="http://schemas.microsoft.com/office/drawing/2014/main" xmlns="" id="{E15C6270-00F4-4F78-BBC8-97E189461534}"/>
               </a:ext>
             </a:extLst>
           </p:cNvPr>
@@ -1936,7 +1936,7 @@
           <p:cNvPr id="2" name="Title 1">
             <a:extLst>
               <a:ext uri="{FF2B5EF4-FFF2-40B4-BE49-F238E27FC236}">
-                <a16:creationId xmlns:a16="http://schemas.microsoft.com/office/drawing/2014/main" id="{46424808-8D94-4608-93E7-BEA43A99A850}"/>
+                <a16:creationId xmlns:a16="http://schemas.microsoft.com/office/drawing/2014/main" xmlns="" id="{46424808-8D94-4608-93E7-BEA43A99A850}"/>
               </a:ext>
             </a:extLst>
           </p:cNvPr>
@@ -1965,7 +1965,7 @@
           <p:cNvPr id="3" name="Date Placeholder 2">
             <a:extLst>
               <a:ext uri="{FF2B5EF4-FFF2-40B4-BE49-F238E27FC236}">
-                <a16:creationId xmlns:a16="http://schemas.microsoft.com/office/drawing/2014/main" id="{12BEB983-AD55-4575-BE4E-2DA2B9973F2C}"/>
+                <a16:creationId xmlns:a16="http://schemas.microsoft.com/office/drawing/2014/main" xmlns="" id="{12BEB983-AD55-4575-BE4E-2DA2B9973F2C}"/>
               </a:ext>
             </a:extLst>
           </p:cNvPr>
@@ -1983,7 +1983,7 @@
           <a:p>
             <a:fld id="{8382ADF2-3FF2-4FB4-8A07-AE359359CF4F}" type="datetimeFigureOut">
               <a:rPr lang="en-GB" smtClean="0"/>
-              <a:t>01/04/2020</a:t>
+              <a:t>22/09/2021</a:t>
             </a:fld>
             <a:endParaRPr lang="en-GB"/>
           </a:p>
@@ -1994,7 +1994,7 @@
           <p:cNvPr id="4" name="Footer Placeholder 3">
             <a:extLst>
               <a:ext uri="{FF2B5EF4-FFF2-40B4-BE49-F238E27FC236}">
-                <a16:creationId xmlns:a16="http://schemas.microsoft.com/office/drawing/2014/main" id="{0607DC95-E6DA-43EF-A258-E39A3A4352E5}"/>
+                <a16:creationId xmlns:a16="http://schemas.microsoft.com/office/drawing/2014/main" xmlns="" id="{0607DC95-E6DA-43EF-A258-E39A3A4352E5}"/>
               </a:ext>
             </a:extLst>
           </p:cNvPr>
@@ -2019,7 +2019,7 @@
           <p:cNvPr id="5" name="Slide Number Placeholder 4">
             <a:extLst>
               <a:ext uri="{FF2B5EF4-FFF2-40B4-BE49-F238E27FC236}">
-                <a16:creationId xmlns:a16="http://schemas.microsoft.com/office/drawing/2014/main" id="{AB70A8A8-E8A9-4D55-850C-49A54673C90E}"/>
+                <a16:creationId xmlns:a16="http://schemas.microsoft.com/office/drawing/2014/main" xmlns="" id="{AB70A8A8-E8A9-4D55-850C-49A54673C90E}"/>
               </a:ext>
             </a:extLst>
           </p:cNvPr>
@@ -2078,7 +2078,7 @@
           <p:cNvPr id="2" name="Date Placeholder 1">
             <a:extLst>
               <a:ext uri="{FF2B5EF4-FFF2-40B4-BE49-F238E27FC236}">
-                <a16:creationId xmlns:a16="http://schemas.microsoft.com/office/drawing/2014/main" id="{8D324822-F9BD-4467-9E06-3E5EC3F8038C}"/>
+                <a16:creationId xmlns:a16="http://schemas.microsoft.com/office/drawing/2014/main" xmlns="" id="{8D324822-F9BD-4467-9E06-3E5EC3F8038C}"/>
               </a:ext>
             </a:extLst>
           </p:cNvPr>
@@ -2096,7 +2096,7 @@
           <a:p>
             <a:fld id="{8382ADF2-3FF2-4FB4-8A07-AE359359CF4F}" type="datetimeFigureOut">
               <a:rPr lang="en-GB" smtClean="0"/>
-              <a:t>01/04/2020</a:t>
+              <a:t>22/09/2021</a:t>
             </a:fld>
             <a:endParaRPr lang="en-GB"/>
           </a:p>
@@ -2107,7 +2107,7 @@
           <p:cNvPr id="3" name="Footer Placeholder 2">
             <a:extLst>
               <a:ext uri="{FF2B5EF4-FFF2-40B4-BE49-F238E27FC236}">
-                <a16:creationId xmlns:a16="http://schemas.microsoft.com/office/drawing/2014/main" id="{CD6707B5-D658-42A1-91B3-EE6815DD94D1}"/>
+                <a16:creationId xmlns:a16="http://schemas.microsoft.com/office/drawing/2014/main" xmlns="" id="{CD6707B5-D658-42A1-91B3-EE6815DD94D1}"/>
               </a:ext>
             </a:extLst>
           </p:cNvPr>
@@ -2132,7 +2132,7 @@
           <p:cNvPr id="4" name="Slide Number Placeholder 3">
             <a:extLst>
               <a:ext uri="{FF2B5EF4-FFF2-40B4-BE49-F238E27FC236}">
-                <a16:creationId xmlns:a16="http://schemas.microsoft.com/office/drawing/2014/main" id="{FE942FA0-A435-4CB1-8E58-E997D1A3E858}"/>
+                <a16:creationId xmlns:a16="http://schemas.microsoft.com/office/drawing/2014/main" xmlns="" id="{FE942FA0-A435-4CB1-8E58-E997D1A3E858}"/>
               </a:ext>
             </a:extLst>
           </p:cNvPr>
@@ -2191,7 +2191,7 @@
           <p:cNvPr id="2" name="Title 1">
             <a:extLst>
               <a:ext uri="{FF2B5EF4-FFF2-40B4-BE49-F238E27FC236}">
-                <a16:creationId xmlns:a16="http://schemas.microsoft.com/office/drawing/2014/main" id="{8DB09743-877C-4F9E-A937-C8728E43926A}"/>
+                <a16:creationId xmlns:a16="http://schemas.microsoft.com/office/drawing/2014/main" xmlns="" id="{8DB09743-877C-4F9E-A937-C8728E43926A}"/>
               </a:ext>
             </a:extLst>
           </p:cNvPr>
@@ -2229,7 +2229,7 @@
           <p:cNvPr id="3" name="Content Placeholder 2">
             <a:extLst>
               <a:ext uri="{FF2B5EF4-FFF2-40B4-BE49-F238E27FC236}">
-                <a16:creationId xmlns:a16="http://schemas.microsoft.com/office/drawing/2014/main" id="{C631CAC3-2B2A-4D77-9324-9817A9705574}"/>
+                <a16:creationId xmlns:a16="http://schemas.microsoft.com/office/drawing/2014/main" xmlns="" id="{C631CAC3-2B2A-4D77-9324-9817A9705574}"/>
               </a:ext>
             </a:extLst>
           </p:cNvPr>
@@ -2320,7 +2320,7 @@
           <p:cNvPr id="4" name="Text Placeholder 3">
             <a:extLst>
               <a:ext uri="{FF2B5EF4-FFF2-40B4-BE49-F238E27FC236}">
-                <a16:creationId xmlns:a16="http://schemas.microsoft.com/office/drawing/2014/main" id="{EB18299C-D3FF-4281-9359-617789B8DBC3}"/>
+                <a16:creationId xmlns:a16="http://schemas.microsoft.com/office/drawing/2014/main" xmlns="" id="{EB18299C-D3FF-4281-9359-617789B8DBC3}"/>
               </a:ext>
             </a:extLst>
           </p:cNvPr>
@@ -2391,7 +2391,7 @@
           <p:cNvPr id="5" name="Date Placeholder 4">
             <a:extLst>
               <a:ext uri="{FF2B5EF4-FFF2-40B4-BE49-F238E27FC236}">
-                <a16:creationId xmlns:a16="http://schemas.microsoft.com/office/drawing/2014/main" id="{184FF070-A807-4BB1-8C03-7E7533AEAFA1}"/>
+                <a16:creationId xmlns:a16="http://schemas.microsoft.com/office/drawing/2014/main" xmlns="" id="{184FF070-A807-4BB1-8C03-7E7533AEAFA1}"/>
               </a:ext>
             </a:extLst>
           </p:cNvPr>
@@ -2409,7 +2409,7 @@
           <a:p>
             <a:fld id="{8382ADF2-3FF2-4FB4-8A07-AE359359CF4F}" type="datetimeFigureOut">
               <a:rPr lang="en-GB" smtClean="0"/>
-              <a:t>01/04/2020</a:t>
+              <a:t>22/09/2021</a:t>
             </a:fld>
             <a:endParaRPr lang="en-GB"/>
           </a:p>
@@ -2420,7 +2420,7 @@
           <p:cNvPr id="6" name="Footer Placeholder 5">
             <a:extLst>
               <a:ext uri="{FF2B5EF4-FFF2-40B4-BE49-F238E27FC236}">
-                <a16:creationId xmlns:a16="http://schemas.microsoft.com/office/drawing/2014/main" id="{F59B2621-2A75-4634-B31D-6EA3C6EE217E}"/>
+                <a16:creationId xmlns:a16="http://schemas.microsoft.com/office/drawing/2014/main" xmlns="" id="{F59B2621-2A75-4634-B31D-6EA3C6EE217E}"/>
               </a:ext>
             </a:extLst>
           </p:cNvPr>
@@ -2445,7 +2445,7 @@
           <p:cNvPr id="7" name="Slide Number Placeholder 6">
             <a:extLst>
               <a:ext uri="{FF2B5EF4-FFF2-40B4-BE49-F238E27FC236}">
-                <a16:creationId xmlns:a16="http://schemas.microsoft.com/office/drawing/2014/main" id="{0C292625-5E45-41F7-9219-585AB6D11476}"/>
+                <a16:creationId xmlns:a16="http://schemas.microsoft.com/office/drawing/2014/main" xmlns="" id="{0C292625-5E45-41F7-9219-585AB6D11476}"/>
               </a:ext>
             </a:extLst>
           </p:cNvPr>
@@ -2504,7 +2504,7 @@
           <p:cNvPr id="2" name="Title 1">
             <a:extLst>
               <a:ext uri="{FF2B5EF4-FFF2-40B4-BE49-F238E27FC236}">
-                <a16:creationId xmlns:a16="http://schemas.microsoft.com/office/drawing/2014/main" id="{A3E9839F-74DE-47F8-A9DC-80B7DA464F57}"/>
+                <a16:creationId xmlns:a16="http://schemas.microsoft.com/office/drawing/2014/main" xmlns="" id="{A3E9839F-74DE-47F8-A9DC-80B7DA464F57}"/>
               </a:ext>
             </a:extLst>
           </p:cNvPr>
@@ -2542,7 +2542,7 @@
           <p:cNvPr id="3" name="Picture Placeholder 2">
             <a:extLst>
               <a:ext uri="{FF2B5EF4-FFF2-40B4-BE49-F238E27FC236}">
-                <a16:creationId xmlns:a16="http://schemas.microsoft.com/office/drawing/2014/main" id="{5BAF1248-CE3D-42F0-8D95-5BF4F58CD24B}"/>
+                <a16:creationId xmlns:a16="http://schemas.microsoft.com/office/drawing/2014/main" xmlns="" id="{5BAF1248-CE3D-42F0-8D95-5BF4F58CD24B}"/>
               </a:ext>
             </a:extLst>
           </p:cNvPr>
@@ -2609,7 +2609,7 @@
           <p:cNvPr id="4" name="Text Placeholder 3">
             <a:extLst>
               <a:ext uri="{FF2B5EF4-FFF2-40B4-BE49-F238E27FC236}">
-                <a16:creationId xmlns:a16="http://schemas.microsoft.com/office/drawing/2014/main" id="{2C736501-D53E-4E65-9D39-D06936688681}"/>
+                <a16:creationId xmlns:a16="http://schemas.microsoft.com/office/drawing/2014/main" xmlns="" id="{2C736501-D53E-4E65-9D39-D06936688681}"/>
               </a:ext>
             </a:extLst>
           </p:cNvPr>
@@ -2680,7 +2680,7 @@
           <p:cNvPr id="5" name="Date Placeholder 4">
             <a:extLst>
               <a:ext uri="{FF2B5EF4-FFF2-40B4-BE49-F238E27FC236}">
-                <a16:creationId xmlns:a16="http://schemas.microsoft.com/office/drawing/2014/main" id="{2BBC5D2B-2FE8-47CF-9454-D69B06C30B34}"/>
+                <a16:creationId xmlns:a16="http://schemas.microsoft.com/office/drawing/2014/main" xmlns="" id="{2BBC5D2B-2FE8-47CF-9454-D69B06C30B34}"/>
               </a:ext>
             </a:extLst>
           </p:cNvPr>
@@ -2698,7 +2698,7 @@
           <a:p>
             <a:fld id="{8382ADF2-3FF2-4FB4-8A07-AE359359CF4F}" type="datetimeFigureOut">
               <a:rPr lang="en-GB" smtClean="0"/>
-              <a:t>01/04/2020</a:t>
+              <a:t>22/09/2021</a:t>
             </a:fld>
             <a:endParaRPr lang="en-GB"/>
           </a:p>
@@ -2709,7 +2709,7 @@
           <p:cNvPr id="6" name="Footer Placeholder 5">
             <a:extLst>
               <a:ext uri="{FF2B5EF4-FFF2-40B4-BE49-F238E27FC236}">
-                <a16:creationId xmlns:a16="http://schemas.microsoft.com/office/drawing/2014/main" id="{C05AC3F3-CFA8-4482-A63C-CB44A9441648}"/>
+                <a16:creationId xmlns:a16="http://schemas.microsoft.com/office/drawing/2014/main" xmlns="" id="{C05AC3F3-CFA8-4482-A63C-CB44A9441648}"/>
               </a:ext>
             </a:extLst>
           </p:cNvPr>
@@ -2734,7 +2734,7 @@
           <p:cNvPr id="7" name="Slide Number Placeholder 6">
             <a:extLst>
               <a:ext uri="{FF2B5EF4-FFF2-40B4-BE49-F238E27FC236}">
-                <a16:creationId xmlns:a16="http://schemas.microsoft.com/office/drawing/2014/main" id="{50DA9B22-8C57-4436-BD02-5E0BEAE2BD8B}"/>
+                <a16:creationId xmlns:a16="http://schemas.microsoft.com/office/drawing/2014/main" xmlns="" id="{50DA9B22-8C57-4436-BD02-5E0BEAE2BD8B}"/>
               </a:ext>
             </a:extLst>
           </p:cNvPr>
@@ -2798,7 +2798,7 @@
           <p:cNvPr id="2" name="Title Placeholder 1">
             <a:extLst>
               <a:ext uri="{FF2B5EF4-FFF2-40B4-BE49-F238E27FC236}">
-                <a16:creationId xmlns:a16="http://schemas.microsoft.com/office/drawing/2014/main" id="{258FD8DC-1BB0-4723-A8E1-BDFC87BB3B08}"/>
+                <a16:creationId xmlns:a16="http://schemas.microsoft.com/office/drawing/2014/main" xmlns="" id="{258FD8DC-1BB0-4723-A8E1-BDFC87BB3B08}"/>
               </a:ext>
             </a:extLst>
           </p:cNvPr>
@@ -2837,7 +2837,7 @@
           <p:cNvPr id="3" name="Text Placeholder 2">
             <a:extLst>
               <a:ext uri="{FF2B5EF4-FFF2-40B4-BE49-F238E27FC236}">
-                <a16:creationId xmlns:a16="http://schemas.microsoft.com/office/drawing/2014/main" id="{AFD71D9D-5F74-408A-B6E4-1A1284AB8DFA}"/>
+                <a16:creationId xmlns:a16="http://schemas.microsoft.com/office/drawing/2014/main" xmlns="" id="{AFD71D9D-5F74-408A-B6E4-1A1284AB8DFA}"/>
               </a:ext>
             </a:extLst>
           </p:cNvPr>
@@ -2905,7 +2905,7 @@
           <p:cNvPr id="4" name="Date Placeholder 3">
             <a:extLst>
               <a:ext uri="{FF2B5EF4-FFF2-40B4-BE49-F238E27FC236}">
-                <a16:creationId xmlns:a16="http://schemas.microsoft.com/office/drawing/2014/main" id="{0CE3DA9F-4B19-4A27-8FBA-B59A7BF1D699}"/>
+                <a16:creationId xmlns:a16="http://schemas.microsoft.com/office/drawing/2014/main" xmlns="" id="{0CE3DA9F-4B19-4A27-8FBA-B59A7BF1D699}"/>
               </a:ext>
             </a:extLst>
           </p:cNvPr>
@@ -2941,7 +2941,7 @@
           <a:p>
             <a:fld id="{8382ADF2-3FF2-4FB4-8A07-AE359359CF4F}" type="datetimeFigureOut">
               <a:rPr lang="en-GB" smtClean="0"/>
-              <a:t>01/04/2020</a:t>
+              <a:t>22/09/2021</a:t>
             </a:fld>
             <a:endParaRPr lang="en-GB"/>
           </a:p>
@@ -2952,7 +2952,7 @@
           <p:cNvPr id="5" name="Footer Placeholder 4">
             <a:extLst>
               <a:ext uri="{FF2B5EF4-FFF2-40B4-BE49-F238E27FC236}">
-                <a16:creationId xmlns:a16="http://schemas.microsoft.com/office/drawing/2014/main" id="{A2D4B5D6-4E62-45D0-85B9-3B1D682816F2}"/>
+                <a16:creationId xmlns:a16="http://schemas.microsoft.com/office/drawing/2014/main" xmlns="" id="{A2D4B5D6-4E62-45D0-85B9-3B1D682816F2}"/>
               </a:ext>
             </a:extLst>
           </p:cNvPr>
@@ -2995,7 +2995,7 @@
           <p:cNvPr id="6" name="Slide Number Placeholder 5">
             <a:extLst>
               <a:ext uri="{FF2B5EF4-FFF2-40B4-BE49-F238E27FC236}">
-                <a16:creationId xmlns:a16="http://schemas.microsoft.com/office/drawing/2014/main" id="{29091E10-7026-46EB-95D6-AAABDE7095F6}"/>
+                <a16:creationId xmlns:a16="http://schemas.microsoft.com/office/drawing/2014/main" xmlns="" id="{29091E10-7026-46EB-95D6-AAABDE7095F6}"/>
               </a:ext>
             </a:extLst>
           </p:cNvPr>
@@ -3363,7 +3363,7 @@
           <p:cNvPr id="7" name="Rounded Rectangle 107">
             <a:extLst>
               <a:ext uri="{FF2B5EF4-FFF2-40B4-BE49-F238E27FC236}">
-                <a16:creationId xmlns:a16="http://schemas.microsoft.com/office/drawing/2014/main" id="{B93FB0D9-9560-44E7-AFF0-0DB92B907652}"/>
+                <a16:creationId xmlns:a16="http://schemas.microsoft.com/office/drawing/2014/main" xmlns="" id="{B93FB0D9-9560-44E7-AFF0-0DB92B907652}"/>
               </a:ext>
             </a:extLst>
           </p:cNvPr>
@@ -3415,7 +3415,7 @@
               <a:defRPr/>
             </a:pPr>
             <a:r>
-              <a:rPr lang="en-US" sz="1200" b="1" kern="0" dirty="0" err="1">
+              <a:rPr lang="en-US" sz="1200" b="1" kern="0" dirty="0" smtClean="0">
                 <a:solidFill>
                   <a:srgbClr val="FFFFFF"/>
                 </a:solidFill>
@@ -3423,19 +3423,16 @@
                 <a:ea typeface="Source Sans Pro Light" charset="0"/>
                 <a:cs typeface="Source Sans Pro Light" charset="0"/>
               </a:rPr>
-              <a:t>MicroEJ</a:t>
-            </a:r>
-            <a:r>
-              <a:rPr lang="en-US" sz="1200" b="1" kern="0" dirty="0">
-                <a:solidFill>
-                  <a:srgbClr val="FFFFFF"/>
-                </a:solidFill>
-                <a:latin typeface="Source Sans Pro Light" charset="0"/>
-                <a:ea typeface="Source Sans Pro Light" charset="0"/>
-                <a:cs typeface="Source Sans Pro Light" charset="0"/>
-              </a:rPr>
-              <a:t> Platform</a:t>
-            </a:r>
+              <a:t>Kernel Application executable</a:t>
+            </a:r>
+            <a:endParaRPr lang="en-US" sz="1200" b="1" kern="0" dirty="0">
+              <a:solidFill>
+                <a:srgbClr val="FFFFFF"/>
+              </a:solidFill>
+              <a:latin typeface="Source Sans Pro Light" charset="0"/>
+              <a:ea typeface="Source Sans Pro Light" charset="0"/>
+              <a:cs typeface="Source Sans Pro Light" charset="0"/>
+            </a:endParaRPr>
           </a:p>
         </p:txBody>
       </p:sp>
@@ -3444,7 +3441,7 @@
           <p:cNvPr id="8" name="Rounded Rectangle 107">
             <a:extLst>
               <a:ext uri="{FF2B5EF4-FFF2-40B4-BE49-F238E27FC236}">
-                <a16:creationId xmlns:a16="http://schemas.microsoft.com/office/drawing/2014/main" id="{88E43890-43DA-4C12-A073-3EF5E441FB5A}"/>
+                <a16:creationId xmlns:a16="http://schemas.microsoft.com/office/drawing/2014/main" xmlns="" id="{88E43890-43DA-4C12-A073-3EF5E441FB5A}"/>
               </a:ext>
             </a:extLst>
           </p:cNvPr>
@@ -3528,7 +3525,7 @@
           <p:cNvPr id="10" name="Rounded Rectangle 107">
             <a:extLst>
               <a:ext uri="{FF2B5EF4-FFF2-40B4-BE49-F238E27FC236}">
-                <a16:creationId xmlns:a16="http://schemas.microsoft.com/office/drawing/2014/main" id="{6248785A-FF5D-4080-BDE9-A282CD57B81B}"/>
+                <a16:creationId xmlns:a16="http://schemas.microsoft.com/office/drawing/2014/main" xmlns="" id="{6248785A-FF5D-4080-BDE9-A282CD57B81B}"/>
               </a:ext>
             </a:extLst>
           </p:cNvPr>
@@ -3580,7 +3577,7 @@
               <a:defRPr/>
             </a:pPr>
             <a:r>
-              <a:rPr lang="en-US" sz="1200" b="1" kern="0" dirty="0" err="1">
+              <a:rPr lang="en-US" sz="1200" b="1" kern="0" dirty="0" smtClean="0">
                 <a:solidFill>
                   <a:srgbClr val="FFFFFF"/>
                 </a:solidFill>
@@ -3588,7 +3585,7 @@
                 <a:ea typeface="Source Sans Pro Light" charset="0"/>
                 <a:cs typeface="Source Sans Pro Light" charset="0"/>
               </a:rPr>
-              <a:t>MicroEJ</a:t>
+              <a:t>Sandboxed Application </a:t>
             </a:r>
             <a:r>
               <a:rPr lang="en-US" sz="1200" b="1" kern="0" dirty="0">
@@ -3599,7 +3596,7 @@
                 <a:ea typeface="Source Sans Pro Light" charset="0"/>
                 <a:cs typeface="Source Sans Pro Light" charset="0"/>
               </a:rPr>
-              <a:t> Application code</a:t>
+              <a:t>code</a:t>
             </a:r>
             <a:endParaRPr kumimoji="0" lang="en-US" sz="1200" b="1" u="none" strike="noStrike" kern="0" cap="none" spc="0" normalizeH="0" baseline="0" noProof="0" dirty="0">
               <a:ln>
@@ -3623,7 +3620,7 @@
           <p:cNvPr id="16" name="Rounded Rectangle 167">
             <a:extLst>
               <a:ext uri="{FF2B5EF4-FFF2-40B4-BE49-F238E27FC236}">
-                <a16:creationId xmlns:a16="http://schemas.microsoft.com/office/drawing/2014/main" id="{F7F6D3E3-CB5A-4C36-93EB-132FA7A0C0A3}"/>
+                <a16:creationId xmlns:a16="http://schemas.microsoft.com/office/drawing/2014/main" xmlns="" id="{F7F6D3E3-CB5A-4C36-93EB-132FA7A0C0A3}"/>
               </a:ext>
             </a:extLst>
           </p:cNvPr>
@@ -3677,7 +3674,7 @@
               <a:defRPr/>
             </a:pPr>
             <a:r>
-              <a:rPr kumimoji="0" lang="en-US" sz="1100" b="0" u="none" strike="noStrike" kern="0" cap="none" spc="0" normalizeH="0" baseline="0" noProof="0" dirty="0">
+              <a:rPr kumimoji="0" lang="en-US" sz="1100" b="0" u="none" strike="noStrike" kern="0" cap="none" spc="0" normalizeH="0" baseline="0" noProof="0" dirty="0" smtClean="0">
                 <a:ln>
                   <a:noFill/>
                 </a:ln>
@@ -3691,69 +3688,7 @@
                 <a:ea typeface="Source Sans Pro Light" charset="0"/>
                 <a:cs typeface="Source Sans Pro Light" charset="0"/>
               </a:rPr>
-              <a:t>4. Build the </a:t>
-            </a:r>
-            <a:r>
-              <a:rPr kumimoji="0" lang="en-US" sz="1100" b="0" u="none" strike="noStrike" kern="0" cap="none" spc="0" normalizeH="0" baseline="0" noProof="0" dirty="0" err="1">
-                <a:ln>
-                  <a:noFill/>
-                </a:ln>
-                <a:solidFill>
-                  <a:srgbClr val="4B5357"/>
-                </a:solidFill>
-                <a:effectLst/>
-                <a:uLnTx/>
-                <a:uFillTx/>
-                <a:latin typeface="Source Sans Pro Light" charset="0"/>
-                <a:ea typeface="Source Sans Pro Light" charset="0"/>
-                <a:cs typeface="Source Sans Pro Light" charset="0"/>
-              </a:rPr>
-              <a:t>MicroEJ</a:t>
-            </a:r>
-            <a:r>
-              <a:rPr kumimoji="0" lang="en-US" sz="1100" b="0" u="none" strike="noStrike" kern="0" cap="none" spc="0" normalizeH="0" baseline="0" noProof="0" dirty="0">
-                <a:ln>
-                  <a:noFill/>
-                </a:ln>
-                <a:solidFill>
-                  <a:srgbClr val="4B5357"/>
-                </a:solidFill>
-                <a:effectLst/>
-                <a:uLnTx/>
-                <a:uFillTx/>
-                <a:latin typeface="Source Sans Pro Light" charset="0"/>
-                <a:ea typeface="Source Sans Pro Light" charset="0"/>
-                <a:cs typeface="Source Sans Pro Light" charset="0"/>
-              </a:rPr>
-              <a:t> </a:t>
-            </a:r>
-            <a:r>
-              <a:rPr lang="en-US" sz="1100" kern="0" dirty="0">
-                <a:solidFill>
-                  <a:srgbClr val="4B5357"/>
-                </a:solidFill>
-                <a:latin typeface="Source Sans Pro Light" charset="0"/>
-                <a:ea typeface="Source Sans Pro Light" charset="0"/>
-                <a:cs typeface="Source Sans Pro Light" charset="0"/>
-              </a:rPr>
-              <a:t>A</a:t>
-            </a:r>
-            <a:r>
-              <a:rPr kumimoji="0" lang="en-US" sz="1100" b="0" u="none" strike="noStrike" kern="0" cap="none" spc="0" normalizeH="0" baseline="0" noProof="0" dirty="0" err="1">
-                <a:ln>
-                  <a:noFill/>
-                </a:ln>
-                <a:solidFill>
-                  <a:srgbClr val="4B5357"/>
-                </a:solidFill>
-                <a:effectLst/>
-                <a:uLnTx/>
-                <a:uFillTx/>
-                <a:latin typeface="Source Sans Pro Light" charset="0"/>
-                <a:ea typeface="Source Sans Pro Light" charset="0"/>
-                <a:cs typeface="Source Sans Pro Light" charset="0"/>
-              </a:rPr>
-              <a:t>pplication</a:t>
+              <a:t>Build the Feature</a:t>
             </a:r>
             <a:endParaRPr kumimoji="0" lang="en-US" sz="1100" b="0" u="none" strike="noStrike" kern="0" cap="none" spc="0" normalizeH="0" baseline="0" noProof="0" dirty="0">
               <a:ln>
@@ -3777,7 +3712,7 @@
           <p:cNvPr id="17" name="Rounded Rectangle 167">
             <a:extLst>
               <a:ext uri="{FF2B5EF4-FFF2-40B4-BE49-F238E27FC236}">
-                <a16:creationId xmlns:a16="http://schemas.microsoft.com/office/drawing/2014/main" id="{EC39363F-5077-4CDC-B6E5-CD398A805B12}"/>
+                <a16:creationId xmlns:a16="http://schemas.microsoft.com/office/drawing/2014/main" xmlns="" id="{EC39363F-5077-4CDC-B6E5-CD398A805B12}"/>
               </a:ext>
             </a:extLst>
           </p:cNvPr>
@@ -3813,6 +3748,47 @@
           </a:bodyPr>
           <a:lstStyle/>
           <a:p>
+            <a:pPr lvl="0" algn="ctr" defTabSz="914377">
+              <a:defRPr/>
+            </a:pPr>
+            <a:r>
+              <a:rPr lang="en-US" sz="1100" kern="0" dirty="0">
+                <a:solidFill>
+                  <a:srgbClr val="4B5357"/>
+                </a:solidFill>
+                <a:latin typeface="Source Sans Pro Light" charset="0"/>
+                <a:ea typeface="Source Sans Pro Light" charset="0"/>
+                <a:cs typeface="Source Sans Pro Light" charset="0"/>
+              </a:rPr>
+              <a:t>Install the </a:t>
+            </a:r>
+            <a:r>
+              <a:rPr lang="en-US" sz="1100" kern="0" dirty="0" smtClean="0">
+                <a:solidFill>
+                  <a:srgbClr val="4B5357"/>
+                </a:solidFill>
+                <a:latin typeface="Source Sans Pro Light" charset="0"/>
+                <a:ea typeface="Source Sans Pro Light" charset="0"/>
+                <a:cs typeface="Source Sans Pro Light" charset="0"/>
+              </a:rPr>
+              <a:t>Feature</a:t>
+            </a:r>
+            <a:endParaRPr kumimoji="0" lang="en-US" sz="1100" b="0" u="none" strike="noStrike" kern="0" cap="none" spc="0" normalizeH="0" baseline="0" noProof="0" dirty="0" smtClean="0">
+              <a:ln>
+                <a:noFill/>
+              </a:ln>
+              <a:solidFill>
+                <a:srgbClr val="4B5357"/>
+              </a:solidFill>
+              <a:effectLst/>
+              <a:uLnTx/>
+              <a:uFillTx/>
+              <a:latin typeface="Source Sans Pro Light" charset="0"/>
+              <a:ea typeface="Source Sans Pro Light" charset="0"/>
+              <a:cs typeface="Source Sans Pro Light" charset="0"/>
+            </a:endParaRPr>
+          </a:p>
+          <a:p>
             <a:pPr marL="0" marR="0" lvl="0" indent="0" algn="ctr" defTabSz="914377" eaLnBrk="1" fontAlgn="auto" latinLnBrk="0" hangingPunct="1">
               <a:lnSpc>
                 <a:spcPct val="100000"/>
@@ -3831,7 +3807,7 @@
               <a:defRPr/>
             </a:pPr>
             <a:r>
-              <a:rPr kumimoji="0" lang="en-US" sz="1100" b="0" u="none" strike="noStrike" kern="0" cap="none" spc="0" normalizeH="0" baseline="0" noProof="0" dirty="0">
+              <a:rPr kumimoji="0" lang="en-US" sz="1100" b="0" u="none" strike="noStrike" kern="0" cap="none" spc="0" normalizeH="0" baseline="0" noProof="0" dirty="0" smtClean="0">
                 <a:ln>
                   <a:noFill/>
                 </a:ln>
@@ -3845,8 +3821,74 @@
                 <a:ea typeface="Source Sans Pro Light" charset="0"/>
                 <a:cs typeface="Source Sans Pro Light" charset="0"/>
               </a:rPr>
-              <a:t>5. Build and link the full application</a:t>
-            </a:r>
+              <a:t>on Device  </a:t>
+            </a:r>
+          </a:p>
+          <a:p>
+            <a:pPr marL="0" marR="0" lvl="0" indent="0" algn="ctr" defTabSz="914377" eaLnBrk="1" fontAlgn="auto" latinLnBrk="0" hangingPunct="1">
+              <a:lnSpc>
+                <a:spcPct val="100000"/>
+              </a:lnSpc>
+              <a:spcBef>
+                <a:spcPts val="0"/>
+              </a:spcBef>
+              <a:spcAft>
+                <a:spcPts val="0"/>
+              </a:spcAft>
+              <a:buClrTx/>
+              <a:buSzTx/>
+              <a:buFontTx/>
+              <a:buNone/>
+              <a:tabLst/>
+              <a:defRPr/>
+            </a:pPr>
+            <a:r>
+              <a:rPr lang="en-US" sz="1100" kern="0" dirty="0" smtClean="0">
+                <a:solidFill>
+                  <a:srgbClr val="4B5357"/>
+                </a:solidFill>
+                <a:latin typeface="Source Sans Pro Light" charset="0"/>
+                <a:ea typeface="Source Sans Pro Light" charset="0"/>
+                <a:cs typeface="Source Sans Pro Light" charset="0"/>
+              </a:rPr>
+              <a:t>(Software </a:t>
+            </a:r>
+            <a:r>
+              <a:rPr lang="en-US" sz="1100" kern="0" dirty="0" err="1" smtClean="0">
+                <a:solidFill>
+                  <a:srgbClr val="4B5357"/>
+                </a:solidFill>
+                <a:latin typeface="Source Sans Pro Light" charset="0"/>
+                <a:ea typeface="Source Sans Pro Light" charset="0"/>
+                <a:cs typeface="Source Sans Pro Light" charset="0"/>
+              </a:rPr>
+              <a:t>InputStream</a:t>
+            </a:r>
+            <a:r>
+              <a:rPr lang="en-US" sz="1100" kern="0" dirty="0" smtClean="0">
+                <a:solidFill>
+                  <a:srgbClr val="4B5357"/>
+                </a:solidFill>
+                <a:latin typeface="Source Sans Pro Light" charset="0"/>
+                <a:ea typeface="Source Sans Pro Light" charset="0"/>
+                <a:cs typeface="Source Sans Pro Light" charset="0"/>
+              </a:rPr>
+              <a:t>)</a:t>
+            </a:r>
+            <a:endParaRPr kumimoji="0" lang="en-US" sz="1100" b="0" u="none" strike="noStrike" kern="0" cap="none" spc="0" normalizeH="0" baseline="0" noProof="0" dirty="0">
+              <a:ln>
+                <a:noFill/>
+              </a:ln>
+              <a:solidFill>
+                <a:srgbClr val="4B5357"/>
+              </a:solidFill>
+              <a:effectLst/>
+              <a:uLnTx/>
+              <a:uFillTx/>
+              <a:latin typeface="Source Sans Pro Light" charset="0"/>
+              <a:ea typeface="Source Sans Pro Light" charset="0"/>
+              <a:cs typeface="Source Sans Pro Light" charset="0"/>
+            </a:endParaRPr>
           </a:p>
         </p:txBody>
       </p:sp>
@@ -3855,7 +3897,7 @@
           <p:cNvPr id="18" name="Rounded Rectangle 167">
             <a:extLst>
               <a:ext uri="{FF2B5EF4-FFF2-40B4-BE49-F238E27FC236}">
-                <a16:creationId xmlns:a16="http://schemas.microsoft.com/office/drawing/2014/main" id="{97E5848D-9535-4F96-9CD9-1512DEE2AB00}"/>
+                <a16:creationId xmlns:a16="http://schemas.microsoft.com/office/drawing/2014/main" xmlns="" id="{97E5848D-9535-4F96-9CD9-1512DEE2AB00}"/>
               </a:ext>
             </a:extLst>
           </p:cNvPr>
@@ -3909,7 +3951,7 @@
               <a:defRPr/>
             </a:pPr>
             <a:r>
-              <a:rPr kumimoji="0" lang="en-US" sz="1100" b="0" u="none" strike="noStrike" kern="0" cap="none" spc="0" normalizeH="0" baseline="0" noProof="0" dirty="0">
+              <a:rPr kumimoji="0" lang="en-US" sz="1100" b="0" u="none" strike="noStrike" kern="0" cap="none" spc="0" normalizeH="0" baseline="0" noProof="0" dirty="0" smtClean="0">
                 <a:ln>
                   <a:noFill/>
                 </a:ln>
@@ -3923,8 +3965,69 @@
                 <a:ea typeface="Source Sans Pro Light" charset="0"/>
                 <a:cs typeface="Source Sans Pro Light" charset="0"/>
               </a:rPr>
-              <a:t>6. Program and test the application on the board</a:t>
-            </a:r>
+              <a:t>Install the Feature in  the executable</a:t>
+            </a:r>
+          </a:p>
+          <a:p>
+            <a:pPr marL="0" marR="0" lvl="0" indent="0" algn="ctr" defTabSz="914377" eaLnBrk="1" fontAlgn="auto" latinLnBrk="0" hangingPunct="1">
+              <a:lnSpc>
+                <a:spcPct val="100000"/>
+              </a:lnSpc>
+              <a:spcBef>
+                <a:spcPts val="0"/>
+              </a:spcBef>
+              <a:spcAft>
+                <a:spcPts val="0"/>
+              </a:spcAft>
+              <a:buClrTx/>
+              <a:buSzTx/>
+              <a:buFontTx/>
+              <a:buNone/>
+              <a:tabLst/>
+              <a:defRPr/>
+            </a:pPr>
+            <a:r>
+              <a:rPr lang="en-US" sz="1100" kern="0" dirty="0">
+                <a:solidFill>
+                  <a:srgbClr val="4B5357"/>
+                </a:solidFill>
+                <a:latin typeface="Source Sans Pro Light" charset="0"/>
+                <a:ea typeface="Source Sans Pro Light" charset="0"/>
+                <a:cs typeface="Source Sans Pro Light" charset="0"/>
+              </a:rPr>
+              <a:t>(</a:t>
+            </a:r>
+            <a:r>
+              <a:rPr kumimoji="0" lang="en-US" sz="1100" b="0" u="none" strike="noStrike" kern="0" cap="none" spc="0" normalizeH="0" baseline="0" noProof="0" dirty="0" smtClean="0">
+                <a:ln>
+                  <a:noFill/>
+                </a:ln>
+                <a:solidFill>
+                  <a:srgbClr val="4B5357"/>
+                </a:solidFill>
+                <a:effectLst/>
+                <a:uLnTx/>
+                <a:uFillTx/>
+                <a:latin typeface="Source Sans Pro Light" charset="0"/>
+                <a:ea typeface="Source Sans Pro Light" charset="0"/>
+                <a:cs typeface="Source Sans Pro Light" charset="0"/>
+              </a:rPr>
+              <a:t>Firmware Linker)</a:t>
+            </a:r>
+            <a:endParaRPr kumimoji="0" lang="en-US" sz="1100" b="0" u="none" strike="noStrike" kern="0" cap="none" spc="0" normalizeH="0" baseline="0" noProof="0" dirty="0">
+              <a:ln>
+                <a:noFill/>
+              </a:ln>
+              <a:solidFill>
+                <a:srgbClr val="4B5357"/>
+              </a:solidFill>
+              <a:effectLst/>
+              <a:uLnTx/>
+              <a:uFillTx/>
+              <a:latin typeface="Source Sans Pro Light" charset="0"/>
+              <a:ea typeface="Source Sans Pro Light" charset="0"/>
+              <a:cs typeface="Source Sans Pro Light" charset="0"/>
+            </a:endParaRPr>
           </a:p>
         </p:txBody>
       </p:sp>
@@ -3933,7 +4036,7 @@
           <p:cNvPr id="25" name="Straight Connector 24">
             <a:extLst>
               <a:ext uri="{FF2B5EF4-FFF2-40B4-BE49-F238E27FC236}">
-                <a16:creationId xmlns:a16="http://schemas.microsoft.com/office/drawing/2014/main" id="{DD32CB2C-7477-43B9-8989-D899C3F91A7B}"/>
+                <a16:creationId xmlns:a16="http://schemas.microsoft.com/office/drawing/2014/main" xmlns="" id="{DD32CB2C-7477-43B9-8989-D899C3F91A7B}"/>
               </a:ext>
             </a:extLst>
           </p:cNvPr>
@@ -3971,7 +4074,7 @@
           <p:cNvPr id="26" name="Straight Connector 25">
             <a:extLst>
               <a:ext uri="{FF2B5EF4-FFF2-40B4-BE49-F238E27FC236}">
-                <a16:creationId xmlns:a16="http://schemas.microsoft.com/office/drawing/2014/main" id="{29194FD5-ED82-47DA-B494-741162B42C20}"/>
+                <a16:creationId xmlns:a16="http://schemas.microsoft.com/office/drawing/2014/main" xmlns="" id="{29194FD5-ED82-47DA-B494-741162B42C20}"/>
               </a:ext>
             </a:extLst>
           </p:cNvPr>
@@ -4009,7 +4112,7 @@
           <p:cNvPr id="27" name="Straight Connector 26">
             <a:extLst>
               <a:ext uri="{FF2B5EF4-FFF2-40B4-BE49-F238E27FC236}">
-                <a16:creationId xmlns:a16="http://schemas.microsoft.com/office/drawing/2014/main" id="{4598052E-87C6-4653-9113-214D51D3EACE}"/>
+                <a16:creationId xmlns:a16="http://schemas.microsoft.com/office/drawing/2014/main" xmlns="" id="{4598052E-87C6-4653-9113-214D51D3EACE}"/>
               </a:ext>
             </a:extLst>
           </p:cNvPr>
@@ -4045,7 +4148,7 @@
           <p:cNvPr id="29" name="Straight Connector 28">
             <a:extLst>
               <a:ext uri="{FF2B5EF4-FFF2-40B4-BE49-F238E27FC236}">
-                <a16:creationId xmlns:a16="http://schemas.microsoft.com/office/drawing/2014/main" id="{77E810EA-3A88-41B4-8C19-8808179D0376}"/>
+                <a16:creationId xmlns:a16="http://schemas.microsoft.com/office/drawing/2014/main" xmlns="" id="{77E810EA-3A88-41B4-8C19-8808179D0376}"/>
               </a:ext>
             </a:extLst>
           </p:cNvPr>
@@ -4081,7 +4184,7 @@
           <p:cNvPr id="87" name="Connector: Elbow 86">
             <a:extLst>
               <a:ext uri="{FF2B5EF4-FFF2-40B4-BE49-F238E27FC236}">
-                <a16:creationId xmlns:a16="http://schemas.microsoft.com/office/drawing/2014/main" id="{69AA813C-C874-4FD7-BA9B-4BAD457E1295}"/>
+                <a16:creationId xmlns:a16="http://schemas.microsoft.com/office/drawing/2014/main" xmlns="" id="{69AA813C-C874-4FD7-BA9B-4BAD457E1295}"/>
               </a:ext>
             </a:extLst>
           </p:cNvPr>
@@ -4127,6 +4230,13 @@
   <p:clrMapOvr>
     <a:masterClrMapping/>
   </p:clrMapOvr>
+  <p:timing>
+    <p:tnLst>
+      <p:par>
+        <p:cTn id="1" dur="indefinite" restart="never" nodeType="tmRoot"/>
+      </p:par>
+    </p:tnLst>
+  </p:timing>
 </p:sld>
 </file>
 
